--- a/模板.pptx
+++ b/模板.pptx
@@ -6,16 +6,17 @@
   </p:sldMasterIdLst>
   <p:sldIdLst>
     <p:sldId id="257" r:id="rId3"/>
-    <p:sldId id="287" r:id="rId4"/>
-    <p:sldId id="259" r:id="rId5"/>
-    <p:sldId id="260" r:id="rId6"/>
-    <p:sldId id="261" r:id="rId7"/>
-    <p:sldId id="263" r:id="rId8"/>
-    <p:sldId id="274" r:id="rId9"/>
-    <p:sldId id="275" r:id="rId10"/>
-    <p:sldId id="276" r:id="rId11"/>
-    <p:sldId id="277" r:id="rId12"/>
-    <p:sldId id="285" r:id="rId13"/>
+    <p:sldId id="297" r:id="rId4"/>
+    <p:sldId id="287" r:id="rId5"/>
+    <p:sldId id="259" r:id="rId6"/>
+    <p:sldId id="260" r:id="rId7"/>
+    <p:sldId id="261" r:id="rId8"/>
+    <p:sldId id="263" r:id="rId9"/>
+    <p:sldId id="274" r:id="rId10"/>
+    <p:sldId id="275" r:id="rId11"/>
+    <p:sldId id="276" r:id="rId12"/>
+    <p:sldId id="277" r:id="rId13"/>
+    <p:sldId id="285" r:id="rId14"/>
   </p:sldIdLst>
   <p:sldSz cx="12192000" cy="6858000"/>
   <p:notesSz cx="7103745" cy="10234295"/>
@@ -133,7 +134,7 @@
           <inkml:channelProperty channel="T" name="resolution" value="28.34646" units="1/dev"/>
         </inkml:channelProperties>
       </inkml:inkSource>
-      <inkml:timestamp xml:id="ts0" timeString="2021-09-24T08:33:37"/>
+      <inkml:timestamp xml:id="ts0" timeString="2021-09-24T12:04:14"/>
     </inkml:context>
     <inkml:brush xml:id="br0">
       <inkml:brushProperty name="width" value="0.05292" units="cm"/>
@@ -2869,6 +2870,30 @@
           </a:p>
         </p:txBody>
       </p:sp>
+      <p:pic>
+        <p:nvPicPr>
+          <p:cNvPr id="4" name="图片 3" descr="images"/>
+          <p:cNvPicPr>
+            <a:picLocks noChangeAspect="1"/>
+          </p:cNvPicPr>
+          <p:nvPr/>
+        </p:nvPicPr>
+        <p:blipFill>
+          <a:blip r:embed="rId1"/>
+          <a:stretch>
+            <a:fillRect/>
+          </a:stretch>
+        </p:blipFill>
+        <p:spPr>
+          <a:xfrm>
+            <a:off x="2243455" y="0"/>
+            <a:ext cx="7215505" cy="6875780"/>
+          </a:xfrm>
+          <a:prstGeom prst="rect">
+            <a:avLst/>
+          </a:prstGeom>
+        </p:spPr>
+      </p:pic>
     </p:spTree>
   </p:cSld>
   <p:clrMapOvr>
@@ -2886,7 +2911,14 @@
         <p:cNvGrpSpPr/>
         <p:nvPr/>
       </p:nvGrpSpPr>
-      <p:grpSpPr/>
+      <p:grpSpPr>
+        <a:xfrm>
+          <a:off x="0" y="0"/>
+          <a:ext cx="0" cy="0"/>
+          <a:chOff x="0" y="0"/>
+          <a:chExt cx="0" cy="0"/>
+        </a:xfrm>
+      </p:grpSpPr>
       <p:sp>
         <p:nvSpPr>
           <p:cNvPr id="2" name="标题 1"/>
@@ -2900,16 +2932,17 @@
         <p:spPr/>
         <p:txBody>
           <a:bodyPr/>
-          <a:p>
-            <a:r>
-              <a:rPr lang="en-US" altLang="zh-CN"/>
-              <a:t>扩展</a:t>
-            </a:r>
-            <a:r>
-              <a:rPr lang="zh-CN" altLang="en-US"/>
-              <a:t>资料</a:t>
-            </a:r>
-            <a:endParaRPr lang="zh-CN" altLang="en-US"/>
+          <a:lstStyle/>
+          <a:p>
+            <a:r>
+              <a:rPr lang="zh-CN">
+                <a:sym typeface="+mn-ea"/>
+              </a:rPr>
+              <a:t>参考资料</a:t>
+            </a:r>
+            <a:endParaRPr lang="zh-CN">
+              <a:sym typeface="+mn-ea"/>
+            </a:endParaRPr>
           </a:p>
         </p:txBody>
       </p:sp>
@@ -2926,12 +2959,8 @@
         <p:spPr/>
         <p:txBody>
           <a:bodyPr/>
-          <a:p>
-            <a:pPr lvl="0"/>
-            <a:r>
-              <a:rPr lang="zh-CN" altLang="en-US"/>
-              <a:t>无</a:t>
-            </a:r>
+          <a:lstStyle/>
+          <a:p>
             <a:endParaRPr lang="zh-CN" altLang="en-US"/>
           </a:p>
         </p:txBody>
@@ -2945,6 +2974,73 @@
 </file>
 
 <file path=ppt/slides/slide11.xml><?xml version="1.0" encoding="utf-8"?>
+<p:sld xmlns:a="http://schemas.openxmlformats.org/drawingml/2006/main" xmlns:r="http://schemas.openxmlformats.org/officeDocument/2006/relationships" xmlns:p="http://schemas.openxmlformats.org/presentationml/2006/main">
+  <p:cSld>
+    <p:spTree>
+      <p:nvGrpSpPr>
+        <p:cNvPr id="1" name=""/>
+        <p:cNvGrpSpPr/>
+        <p:nvPr/>
+      </p:nvGrpSpPr>
+      <p:grpSpPr/>
+      <p:sp>
+        <p:nvSpPr>
+          <p:cNvPr id="2" name="标题 1"/>
+          <p:cNvSpPr>
+            <a:spLocks noGrp="1"/>
+          </p:cNvSpPr>
+          <p:nvPr>
+            <p:ph type="title"/>
+          </p:nvPr>
+        </p:nvSpPr>
+        <p:spPr/>
+        <p:txBody>
+          <a:bodyPr/>
+          <a:p>
+            <a:r>
+              <a:rPr lang="en-US" altLang="zh-CN"/>
+              <a:t>扩展</a:t>
+            </a:r>
+            <a:r>
+              <a:rPr lang="zh-CN" altLang="en-US"/>
+              <a:t>资料</a:t>
+            </a:r>
+            <a:endParaRPr lang="zh-CN" altLang="en-US"/>
+          </a:p>
+        </p:txBody>
+      </p:sp>
+      <p:sp>
+        <p:nvSpPr>
+          <p:cNvPr id="3" name="内容占位符 2"/>
+          <p:cNvSpPr>
+            <a:spLocks noGrp="1"/>
+          </p:cNvSpPr>
+          <p:nvPr>
+            <p:ph idx="1"/>
+          </p:nvPr>
+        </p:nvSpPr>
+        <p:spPr/>
+        <p:txBody>
+          <a:bodyPr/>
+          <a:p>
+            <a:pPr lvl="0"/>
+            <a:r>
+              <a:rPr lang="zh-CN" altLang="en-US"/>
+              <a:t>无</a:t>
+            </a:r>
+            <a:endParaRPr lang="zh-CN" altLang="en-US"/>
+          </a:p>
+        </p:txBody>
+      </p:sp>
+    </p:spTree>
+  </p:cSld>
+  <p:clrMapOvr>
+    <a:masterClrMapping/>
+  </p:clrMapOvr>
+</p:sld>
+</file>
+
+<file path=ppt/slides/slide12.xml><?xml version="1.0" encoding="utf-8"?>
 <p:sld xmlns:a="http://schemas.openxmlformats.org/drawingml/2006/main" xmlns:r="http://schemas.openxmlformats.org/officeDocument/2006/relationships" xmlns:p="http://schemas.openxmlformats.org/presentationml/2006/main">
   <p:cSld>
     <p:spTree>
@@ -3010,45 +3106,32 @@
             <a:spLocks noGrp="1"/>
           </p:cNvSpPr>
           <p:nvPr>
-            <p:ph type="title"/>
-          </p:nvPr>
-        </p:nvSpPr>
-        <p:spPr/>
-        <p:txBody>
-          <a:bodyPr/>
-          <a:p>
-            <a:r>
-              <a:rPr lang="zh-CN">
-                <a:sym typeface="+mn-ea"/>
-              </a:rPr>
-              <a:t>回顾相关课程内容</a:t>
-            </a:r>
-            <a:endParaRPr lang="zh-CN">
-              <a:sym typeface="+mn-ea"/>
-            </a:endParaRPr>
-          </a:p>
-        </p:txBody>
-      </p:sp>
-      <p:sp>
-        <p:nvSpPr>
-          <p:cNvPr id="3" name="内容占位符 2"/>
-          <p:cNvSpPr>
-            <a:spLocks noGrp="1"/>
-          </p:cNvSpPr>
-          <p:nvPr>
-            <p:ph idx="1"/>
-          </p:nvPr>
-        </p:nvSpPr>
-        <p:spPr/>
-        <p:txBody>
-          <a:bodyPr>
-            <a:normAutofit/>
-          </a:bodyPr>
-          <a:p>
-            <a:pPr lvl="0"/>
-            <a:endParaRPr lang="zh-CN" altLang="en-US">
-              <a:sym typeface="+mn-ea"/>
-            </a:endParaRPr>
+            <p:ph type="ctrTitle"/>
+          </p:nvPr>
+        </p:nvSpPr>
+        <p:spPr/>
+        <p:txBody>
+          <a:bodyPr/>
+          <a:p>
+            <a:endParaRPr lang="zh-CN" altLang="en-US"/>
+          </a:p>
+        </p:txBody>
+      </p:sp>
+      <p:sp>
+        <p:nvSpPr>
+          <p:cNvPr id="3" name="副标题 2"/>
+          <p:cNvSpPr>
+            <a:spLocks noGrp="1"/>
+          </p:cNvSpPr>
+          <p:nvPr>
+            <p:ph type="subTitle" idx="1"/>
+          </p:nvPr>
+        </p:nvSpPr>
+        <p:spPr/>
+        <p:txBody>
+          <a:bodyPr/>
+          <a:p>
+            <a:endParaRPr lang="zh-CN" altLang="en-US"/>
           </a:p>
         </p:txBody>
       </p:sp>
@@ -3057,90 +3140,6 @@
   <p:clrMapOvr>
     <a:masterClrMapping/>
   </p:clrMapOvr>
-  <p:timing>
-    <p:tnLst>
-      <p:par>
-        <p:cTn id="1" dur="indefinite" restart="never" nodeType="tmRoot">
-          <p:childTnLst>
-            <p:seq concurrent="1" nextAc="seek">
-              <p:cTn id="2" dur="indefinite" nodeType="mainSeq">
-                <p:childTnLst>
-                  <p:par>
-                    <p:cTn id="3" fill="hold">
-                      <p:stCondLst>
-                        <p:cond delay="indefinite"/>
-                      </p:stCondLst>
-                      <p:childTnLst>
-                        <p:par>
-                          <p:cTn id="4" fill="hold">
-                            <p:stCondLst>
-                              <p:cond delay="0"/>
-                            </p:stCondLst>
-                            <p:childTnLst>
-                              <p:par>
-                                <p:cTn id="5" presetID="1" presetClass="entr" presetSubtype="0" fill="hold" nodeType="clickEffect" nodePh="1">
-                                  <p:stCondLst>
-                                    <p:cond delay="0"/>
-                                  </p:stCondLst>
-                                  <p:endCondLst>
-                                    <p:cond evt="begin" delay="0">
-                                      <p:tn val="5"/>
-                                    </p:cond>
-                                  </p:endCondLst>
-                                  <p:childTnLst>
-                                    <p:set>
-                                      <p:cBhvr>
-                                        <p:cTn id="6" dur="1" fill="hold">
-                                          <p:stCondLst>
-                                            <p:cond delay="0"/>
-                                          </p:stCondLst>
-                                        </p:cTn>
-                                        <p:tgtEl>
-                                          <p:spTgt spid="3">
-                                            <p:txEl>
-                                              <p:pRg st="0" end="0"/>
-                                            </p:txEl>
-                                          </p:spTgt>
-                                        </p:tgtEl>
-                                        <p:attrNameLst>
-                                          <p:attrName>style.visibility</p:attrName>
-                                        </p:attrNameLst>
-                                      </p:cBhvr>
-                                      <p:to>
-                                        <p:strVal val="visible"/>
-                                      </p:to>
-                                    </p:set>
-                                  </p:childTnLst>
-                                </p:cTn>
-                              </p:par>
-                            </p:childTnLst>
-                          </p:cTn>
-                        </p:par>
-                      </p:childTnLst>
-                    </p:cTn>
-                  </p:par>
-                </p:childTnLst>
-              </p:cTn>
-              <p:prevCondLst>
-                <p:cond evt="onPrev" delay="0">
-                  <p:tgtEl>
-                    <p:sldTgt/>
-                  </p:tgtEl>
-                </p:cond>
-              </p:prevCondLst>
-              <p:nextCondLst>
-                <p:cond evt="onNext" delay="0">
-                  <p:tgtEl>
-                    <p:sldTgt/>
-                  </p:tgtEl>
-                </p:cond>
-              </p:nextCondLst>
-            </p:seq>
-          </p:childTnLst>
-        </p:cTn>
-      </p:par>
-    </p:tnLst>
-  </p:timing>
 </p:sld>
 </file>
 
@@ -3169,22 +3168,10 @@
           <a:bodyPr/>
           <a:p>
             <a:r>
-              <a:rPr>
-                <a:sym typeface="+mn-ea"/>
-              </a:rPr>
-              <a:t>为什么要学习</a:t>
-            </a:r>
-            <a:r>
               <a:rPr lang="zh-CN">
                 <a:sym typeface="+mn-ea"/>
               </a:rPr>
-              <a:t>本课</a:t>
-            </a:r>
-            <a:r>
-              <a:rPr>
-                <a:sym typeface="+mn-ea"/>
-              </a:rPr>
-              <a:t>？</a:t>
+              <a:t>回顾相关课程内容</a:t>
             </a:r>
             <a:endParaRPr lang="zh-CN">
               <a:sym typeface="+mn-ea"/>
@@ -3316,14 +3303,7 @@
         <p:cNvGrpSpPr/>
         <p:nvPr/>
       </p:nvGrpSpPr>
-      <p:grpSpPr>
-        <a:xfrm>
-          <a:off x="0" y="0"/>
-          <a:ext cx="0" cy="0"/>
-          <a:chOff x="0" y="0"/>
-          <a:chExt cx="0" cy="0"/>
-        </a:xfrm>
-      </p:grpSpPr>
+      <p:grpSpPr/>
       <p:sp>
         <p:nvSpPr>
           <p:cNvPr id="2" name="标题 1"/>
@@ -3331,28 +3311,55 @@
             <a:spLocks noGrp="1"/>
           </p:cNvSpPr>
           <p:nvPr>
-            <p:ph type="ctrTitle"/>
-          </p:nvPr>
-        </p:nvSpPr>
-        <p:spPr>
-          <a:xfrm>
-            <a:off x="1524000" y="2867025"/>
-            <a:ext cx="9144000" cy="1123950"/>
-          </a:xfrm>
-        </p:spPr>
+            <p:ph type="title"/>
+          </p:nvPr>
+        </p:nvSpPr>
+        <p:spPr/>
+        <p:txBody>
+          <a:bodyPr/>
+          <a:p>
+            <a:r>
+              <a:rPr>
+                <a:sym typeface="+mn-ea"/>
+              </a:rPr>
+              <a:t>为什么要学习</a:t>
+            </a:r>
+            <a:r>
+              <a:rPr lang="zh-CN">
+                <a:sym typeface="+mn-ea"/>
+              </a:rPr>
+              <a:t>本课</a:t>
+            </a:r>
+            <a:r>
+              <a:rPr>
+                <a:sym typeface="+mn-ea"/>
+              </a:rPr>
+              <a:t>？</a:t>
+            </a:r>
+            <a:endParaRPr lang="zh-CN">
+              <a:sym typeface="+mn-ea"/>
+            </a:endParaRPr>
+          </a:p>
+        </p:txBody>
+      </p:sp>
+      <p:sp>
+        <p:nvSpPr>
+          <p:cNvPr id="3" name="内容占位符 2"/>
+          <p:cNvSpPr>
+            <a:spLocks noGrp="1"/>
+          </p:cNvSpPr>
+          <p:nvPr>
+            <p:ph idx="1"/>
+          </p:nvPr>
+        </p:nvSpPr>
+        <p:spPr/>
         <p:txBody>
           <a:bodyPr>
             <a:normAutofit/>
           </a:bodyPr>
-          <a:lstStyle/>
-          <a:p>
-            <a:r>
-              <a:rPr>
-                <a:sym typeface="+mn-ea"/>
-              </a:rPr>
-              <a:t>主问题：</a:t>
-            </a:r>
-            <a:endParaRPr lang="en-US" altLang="zh-CN">
+          <a:p>
+            <a:pPr lvl="0"/>
+            <a:endParaRPr lang="zh-CN" altLang="en-US">
               <a:sym typeface="+mn-ea"/>
             </a:endParaRPr>
           </a:p>
@@ -3363,6 +3370,90 @@
   <p:clrMapOvr>
     <a:masterClrMapping/>
   </p:clrMapOvr>
+  <p:timing>
+    <p:tnLst>
+      <p:par>
+        <p:cTn id="1" dur="indefinite" restart="never" nodeType="tmRoot">
+          <p:childTnLst>
+            <p:seq concurrent="1" nextAc="seek">
+              <p:cTn id="2" dur="indefinite" nodeType="mainSeq">
+                <p:childTnLst>
+                  <p:par>
+                    <p:cTn id="3" fill="hold">
+                      <p:stCondLst>
+                        <p:cond delay="indefinite"/>
+                      </p:stCondLst>
+                      <p:childTnLst>
+                        <p:par>
+                          <p:cTn id="4" fill="hold">
+                            <p:stCondLst>
+                              <p:cond delay="0"/>
+                            </p:stCondLst>
+                            <p:childTnLst>
+                              <p:par>
+                                <p:cTn id="5" presetID="1" presetClass="entr" presetSubtype="0" fill="hold" nodeType="clickEffect" nodePh="1">
+                                  <p:stCondLst>
+                                    <p:cond delay="0"/>
+                                  </p:stCondLst>
+                                  <p:endCondLst>
+                                    <p:cond evt="begin" delay="0">
+                                      <p:tn val="5"/>
+                                    </p:cond>
+                                  </p:endCondLst>
+                                  <p:childTnLst>
+                                    <p:set>
+                                      <p:cBhvr>
+                                        <p:cTn id="6" dur="1" fill="hold">
+                                          <p:stCondLst>
+                                            <p:cond delay="0"/>
+                                          </p:stCondLst>
+                                        </p:cTn>
+                                        <p:tgtEl>
+                                          <p:spTgt spid="3">
+                                            <p:txEl>
+                                              <p:pRg st="0" end="0"/>
+                                            </p:txEl>
+                                          </p:spTgt>
+                                        </p:tgtEl>
+                                        <p:attrNameLst>
+                                          <p:attrName>style.visibility</p:attrName>
+                                        </p:attrNameLst>
+                                      </p:cBhvr>
+                                      <p:to>
+                                        <p:strVal val="visible"/>
+                                      </p:to>
+                                    </p:set>
+                                  </p:childTnLst>
+                                </p:cTn>
+                              </p:par>
+                            </p:childTnLst>
+                          </p:cTn>
+                        </p:par>
+                      </p:childTnLst>
+                    </p:cTn>
+                  </p:par>
+                </p:childTnLst>
+              </p:cTn>
+              <p:prevCondLst>
+                <p:cond evt="onPrev" delay="0">
+                  <p:tgtEl>
+                    <p:sldTgt/>
+                  </p:tgtEl>
+                </p:cond>
+              </p:prevCondLst>
+              <p:nextCondLst>
+                <p:cond evt="onNext" delay="0">
+                  <p:tgtEl>
+                    <p:sldTgt/>
+                  </p:tgtEl>
+                </p:cond>
+              </p:nextCondLst>
+            </p:seq>
+          </p:childTnLst>
+        </p:cTn>
+      </p:par>
+    </p:tnLst>
+  </p:timing>
 </p:sld>
 </file>
 
@@ -3375,7 +3466,14 @@
         <p:cNvGrpSpPr/>
         <p:nvPr/>
       </p:nvGrpSpPr>
-      <p:grpSpPr/>
+      <p:grpSpPr>
+        <a:xfrm>
+          <a:off x="0" y="0"/>
+          <a:ext cx="0" cy="0"/>
+          <a:chOff x="0" y="0"/>
+          <a:chExt cx="0" cy="0"/>
+        </a:xfrm>
+      </p:grpSpPr>
       <p:sp>
         <p:nvSpPr>
           <p:cNvPr id="2" name="标题 1"/>
@@ -3383,12 +3481,20 @@
             <a:spLocks noGrp="1"/>
           </p:cNvSpPr>
           <p:nvPr>
-            <p:ph type="title"/>
-          </p:nvPr>
-        </p:nvSpPr>
-        <p:spPr/>
-        <p:txBody>
-          <a:bodyPr/>
+            <p:ph type="ctrTitle"/>
+          </p:nvPr>
+        </p:nvSpPr>
+        <p:spPr>
+          <a:xfrm>
+            <a:off x="1524000" y="2867025"/>
+            <a:ext cx="9144000" cy="1123950"/>
+          </a:xfrm>
+        </p:spPr>
+        <p:txBody>
+          <a:bodyPr>
+            <a:normAutofit/>
+          </a:bodyPr>
+          <a:lstStyle/>
           <a:p>
             <a:r>
               <a:rPr>
@@ -3396,42 +3502,9 @@
               </a:rPr>
               <a:t>主问题：</a:t>
             </a:r>
-            <a:endParaRPr lang="zh-CN">
+            <a:endParaRPr lang="en-US" altLang="zh-CN">
               <a:sym typeface="+mn-ea"/>
             </a:endParaRPr>
-          </a:p>
-        </p:txBody>
-      </p:sp>
-      <p:sp>
-        <p:nvSpPr>
-          <p:cNvPr id="3" name="内容占位符 2"/>
-          <p:cNvSpPr>
-            <a:spLocks noGrp="1"/>
-          </p:cNvSpPr>
-          <p:nvPr>
-            <p:ph idx="1"/>
-          </p:nvPr>
-        </p:nvSpPr>
-        <p:spPr/>
-        <p:txBody>
-          <a:bodyPr>
-            <a:normAutofit lnSpcReduction="20000"/>
-          </a:bodyPr>
-          <a:p>
-            <a:pPr lvl="0"/>
-            <a:endParaRPr lang="zh-CN" altLang="en-US"/>
-          </a:p>
-          <a:p>
-            <a:r>
-              <a:rPr lang="zh-CN" altLang="en-US">
-                <a:sym typeface="+mn-ea"/>
-              </a:rPr>
-              <a:t>自学、互学、展学</a:t>
-            </a:r>
-            <a:endParaRPr lang="zh-CN" altLang="en-US"/>
-          </a:p>
-          <a:p>
-            <a:endParaRPr lang="zh-CN" altLang="en-US"/>
           </a:p>
         </p:txBody>
       </p:sp>
@@ -3440,13 +3513,6 @@
   <p:clrMapOvr>
     <a:masterClrMapping/>
   </p:clrMapOvr>
-  <p:timing>
-    <p:tnLst>
-      <p:par>
-        <p:cTn id="1" dur="indefinite" restart="never" nodeType="tmRoot"/>
-      </p:par>
-    </p:tnLst>
-  </p:timing>
 </p:sld>
 </file>
 
@@ -3475,10 +3541,10 @@
           <a:bodyPr/>
           <a:p>
             <a:r>
-              <a:rPr lang="zh-CN">
+              <a:rPr>
                 <a:sym typeface="+mn-ea"/>
               </a:rPr>
-              <a:t>结学</a:t>
+              <a:t>主问题：</a:t>
             </a:r>
             <a:endParaRPr lang="zh-CN">
               <a:sym typeface="+mn-ea"/>
@@ -3499,9 +3565,10 @@
         <p:spPr/>
         <p:txBody>
           <a:bodyPr>
-            <a:normAutofit/>
+            <a:normAutofit lnSpcReduction="20000"/>
           </a:bodyPr>
           <a:p>
+            <a:pPr lvl="0"/>
             <a:endParaRPr lang="zh-CN" altLang="en-US"/>
           </a:p>
           <a:p>
@@ -3509,7 +3576,7 @@
               <a:rPr lang="zh-CN" altLang="en-US">
                 <a:sym typeface="+mn-ea"/>
               </a:rPr>
-              <a:t>自学、展学</a:t>
+              <a:t>自学、互学、展学</a:t>
             </a:r>
             <a:endParaRPr lang="zh-CN" altLang="en-US"/>
           </a:p>
@@ -3542,6 +3609,89 @@
         <p:cNvGrpSpPr/>
         <p:nvPr/>
       </p:nvGrpSpPr>
+      <p:grpSpPr/>
+      <p:sp>
+        <p:nvSpPr>
+          <p:cNvPr id="2" name="标题 1"/>
+          <p:cNvSpPr>
+            <a:spLocks noGrp="1"/>
+          </p:cNvSpPr>
+          <p:nvPr>
+            <p:ph type="title"/>
+          </p:nvPr>
+        </p:nvSpPr>
+        <p:spPr/>
+        <p:txBody>
+          <a:bodyPr/>
+          <a:p>
+            <a:r>
+              <a:rPr lang="zh-CN">
+                <a:sym typeface="+mn-ea"/>
+              </a:rPr>
+              <a:t>结学</a:t>
+            </a:r>
+            <a:endParaRPr lang="zh-CN">
+              <a:sym typeface="+mn-ea"/>
+            </a:endParaRPr>
+          </a:p>
+        </p:txBody>
+      </p:sp>
+      <p:sp>
+        <p:nvSpPr>
+          <p:cNvPr id="3" name="内容占位符 2"/>
+          <p:cNvSpPr>
+            <a:spLocks noGrp="1"/>
+          </p:cNvSpPr>
+          <p:nvPr>
+            <p:ph idx="1"/>
+          </p:nvPr>
+        </p:nvSpPr>
+        <p:spPr/>
+        <p:txBody>
+          <a:bodyPr>
+            <a:normAutofit/>
+          </a:bodyPr>
+          <a:p>
+            <a:endParaRPr lang="zh-CN" altLang="en-US"/>
+          </a:p>
+          <a:p>
+            <a:r>
+              <a:rPr lang="zh-CN" altLang="en-US">
+                <a:sym typeface="+mn-ea"/>
+              </a:rPr>
+              <a:t>自学、展学</a:t>
+            </a:r>
+            <a:endParaRPr lang="zh-CN" altLang="en-US"/>
+          </a:p>
+          <a:p>
+            <a:endParaRPr lang="zh-CN" altLang="en-US"/>
+          </a:p>
+        </p:txBody>
+      </p:sp>
+    </p:spTree>
+  </p:cSld>
+  <p:clrMapOvr>
+    <a:masterClrMapping/>
+  </p:clrMapOvr>
+  <p:timing>
+    <p:tnLst>
+      <p:par>
+        <p:cTn id="1" dur="indefinite" restart="never" nodeType="tmRoot"/>
+      </p:par>
+    </p:tnLst>
+  </p:timing>
+</p:sld>
+</file>
+
+<file path=ppt/slides/slide8.xml><?xml version="1.0" encoding="utf-8"?>
+<p:sld xmlns:a="http://schemas.openxmlformats.org/drawingml/2006/main" xmlns:r="http://schemas.openxmlformats.org/officeDocument/2006/relationships" xmlns:p="http://schemas.openxmlformats.org/presentationml/2006/main">
+  <p:cSld>
+    <p:spTree>
+      <p:nvGrpSpPr>
+        <p:cNvPr id="1" name=""/>
+        <p:cNvGrpSpPr/>
+        <p:nvPr/>
+      </p:nvGrpSpPr>
       <p:grpSpPr>
         <a:xfrm>
           <a:off x="0" y="0"/>
@@ -3604,7 +3754,7 @@
 </p:sld>
 </file>
 
-<file path=ppt/slides/slide8.xml><?xml version="1.0" encoding="utf-8"?>
+<file path=ppt/slides/slide9.xml><?xml version="1.0" encoding="utf-8"?>
 <p:sld xmlns:a="http://schemas.openxmlformats.org/drawingml/2006/main" xmlns:r="http://schemas.openxmlformats.org/officeDocument/2006/relationships" xmlns:p="http://schemas.openxmlformats.org/presentationml/2006/main">
   <p:cSld>
     <p:spTree>
@@ -3816,77 +3966,6 @@
       </p:par>
     </p:tnLst>
   </p:timing>
-</p:sld>
-</file>
-
-<file path=ppt/slides/slide9.xml><?xml version="1.0" encoding="utf-8"?>
-<p:sld xmlns:a="http://schemas.openxmlformats.org/drawingml/2006/main" xmlns:r="http://schemas.openxmlformats.org/officeDocument/2006/relationships" xmlns:p="http://schemas.openxmlformats.org/presentationml/2006/main">
-  <p:cSld>
-    <p:spTree>
-      <p:nvGrpSpPr>
-        <p:cNvPr id="1" name=""/>
-        <p:cNvGrpSpPr/>
-        <p:nvPr/>
-      </p:nvGrpSpPr>
-      <p:grpSpPr>
-        <a:xfrm>
-          <a:off x="0" y="0"/>
-          <a:ext cx="0" cy="0"/>
-          <a:chOff x="0" y="0"/>
-          <a:chExt cx="0" cy="0"/>
-        </a:xfrm>
-      </p:grpSpPr>
-      <p:sp>
-        <p:nvSpPr>
-          <p:cNvPr id="2" name="标题 1"/>
-          <p:cNvSpPr>
-            <a:spLocks noGrp="1"/>
-          </p:cNvSpPr>
-          <p:nvPr>
-            <p:ph type="title"/>
-          </p:nvPr>
-        </p:nvSpPr>
-        <p:spPr/>
-        <p:txBody>
-          <a:bodyPr/>
-          <a:lstStyle/>
-          <a:p>
-            <a:r>
-              <a:rPr lang="zh-CN">
-                <a:sym typeface="+mn-ea"/>
-              </a:rPr>
-              <a:t>参考资料</a:t>
-            </a:r>
-            <a:endParaRPr lang="zh-CN">
-              <a:sym typeface="+mn-ea"/>
-            </a:endParaRPr>
-          </a:p>
-        </p:txBody>
-      </p:sp>
-      <p:sp>
-        <p:nvSpPr>
-          <p:cNvPr id="3" name="内容占位符 2"/>
-          <p:cNvSpPr>
-            <a:spLocks noGrp="1"/>
-          </p:cNvSpPr>
-          <p:nvPr>
-            <p:ph idx="1"/>
-          </p:nvPr>
-        </p:nvSpPr>
-        <p:spPr/>
-        <p:txBody>
-          <a:bodyPr/>
-          <a:lstStyle/>
-          <a:p>
-            <a:endParaRPr lang="zh-CN" altLang="en-US"/>
-          </a:p>
-        </p:txBody>
-      </p:sp>
-    </p:spTree>
-  </p:cSld>
-  <p:clrMapOvr>
-    <a:masterClrMapping/>
-  </p:clrMapOvr>
 </p:sld>
 </file>
 

--- a/模板.pptx
+++ b/模板.pptx
@@ -8,15 +8,8 @@
     <p:sldId id="257" r:id="rId3"/>
     <p:sldId id="297" r:id="rId4"/>
     <p:sldId id="287" r:id="rId5"/>
-    <p:sldId id="259" r:id="rId6"/>
-    <p:sldId id="260" r:id="rId7"/>
-    <p:sldId id="261" r:id="rId8"/>
-    <p:sldId id="263" r:id="rId9"/>
-    <p:sldId id="274" r:id="rId10"/>
-    <p:sldId id="275" r:id="rId11"/>
-    <p:sldId id="276" r:id="rId12"/>
-    <p:sldId id="277" r:id="rId13"/>
-    <p:sldId id="285" r:id="rId14"/>
+    <p:sldId id="261" r:id="rId6"/>
+    <p:sldId id="285" r:id="rId7"/>
   </p:sldIdLst>
   <p:sldSz cx="12192000" cy="6858000"/>
   <p:notesSz cx="7103745" cy="10234295"/>
@@ -116,34 +109,6 @@
     </a:lvl9pPr>
   </p:defaultTextStyle>
 </p:presentation>
-</file>
-
-<file path=ppt/ink/ink1.xml><?xml version="1.0" encoding="utf-8"?>
-<inkml:ink xmlns:inkml="http://www.w3.org/2003/InkML">
-  <inkml:definitions>
-    <inkml:context xml:id="ctx0">
-      <inkml:inkSource xml:id="inkSrc0">
-        <inkml:traceFormat>
-          <inkml:channel name="X" type="integer" units="cm"/>
-          <inkml:channel name="Y" type="integer" units="cm"/>
-          <inkml:channel name="T" type="integer" max="2147480000" units="dev"/>
-        </inkml:traceFormat>
-        <inkml:channelProperties>
-          <inkml:channelProperty channel="X" name="resolution" value="28.3464566929134" units="1/cm"/>
-          <inkml:channelProperty channel="Y" name="resolution" value="28.3464566929134" units="1/cm"/>
-          <inkml:channelProperty channel="T" name="resolution" value="28.34646" units="1/dev"/>
-        </inkml:channelProperties>
-      </inkml:inkSource>
-      <inkml:timestamp xml:id="ts0" timeString="2021-09-24T12:04:14"/>
-    </inkml:context>
-    <inkml:brush xml:id="br0">
-      <inkml:brushProperty name="width" value="0.05292" units="cm"/>
-      <inkml:brushProperty name="height" value="0.05292" units="cm"/>
-      <inkml:brushProperty name="color" value="#ff0000"/>
-    </inkml:brush>
-  </inkml:definitions>
-  <inkml:trace contextRef="#ctx0" brushRef="#br0">12776 9608 0</inkml:trace>
-</inkml:ink>
 </file>
 
 <file path=ppt/slideLayouts/slideLayout1.xml><?xml version="1.0" encoding="utf-8"?>
@@ -2902,193 +2867,6 @@
 </p:sld>
 </file>
 
-<file path=ppt/slides/slide10.xml><?xml version="1.0" encoding="utf-8"?>
-<p:sld xmlns:a="http://schemas.openxmlformats.org/drawingml/2006/main" xmlns:r="http://schemas.openxmlformats.org/officeDocument/2006/relationships" xmlns:p="http://schemas.openxmlformats.org/presentationml/2006/main">
-  <p:cSld>
-    <p:spTree>
-      <p:nvGrpSpPr>
-        <p:cNvPr id="1" name=""/>
-        <p:cNvGrpSpPr/>
-        <p:nvPr/>
-      </p:nvGrpSpPr>
-      <p:grpSpPr>
-        <a:xfrm>
-          <a:off x="0" y="0"/>
-          <a:ext cx="0" cy="0"/>
-          <a:chOff x="0" y="0"/>
-          <a:chExt cx="0" cy="0"/>
-        </a:xfrm>
-      </p:grpSpPr>
-      <p:sp>
-        <p:nvSpPr>
-          <p:cNvPr id="2" name="标题 1"/>
-          <p:cNvSpPr>
-            <a:spLocks noGrp="1"/>
-          </p:cNvSpPr>
-          <p:nvPr>
-            <p:ph type="title"/>
-          </p:nvPr>
-        </p:nvSpPr>
-        <p:spPr/>
-        <p:txBody>
-          <a:bodyPr/>
-          <a:lstStyle/>
-          <a:p>
-            <a:r>
-              <a:rPr lang="zh-CN">
-                <a:sym typeface="+mn-ea"/>
-              </a:rPr>
-              <a:t>参考资料</a:t>
-            </a:r>
-            <a:endParaRPr lang="zh-CN">
-              <a:sym typeface="+mn-ea"/>
-            </a:endParaRPr>
-          </a:p>
-        </p:txBody>
-      </p:sp>
-      <p:sp>
-        <p:nvSpPr>
-          <p:cNvPr id="3" name="内容占位符 2"/>
-          <p:cNvSpPr>
-            <a:spLocks noGrp="1"/>
-          </p:cNvSpPr>
-          <p:nvPr>
-            <p:ph idx="1"/>
-          </p:nvPr>
-        </p:nvSpPr>
-        <p:spPr/>
-        <p:txBody>
-          <a:bodyPr/>
-          <a:lstStyle/>
-          <a:p>
-            <a:endParaRPr lang="zh-CN" altLang="en-US"/>
-          </a:p>
-        </p:txBody>
-      </p:sp>
-    </p:spTree>
-  </p:cSld>
-  <p:clrMapOvr>
-    <a:masterClrMapping/>
-  </p:clrMapOvr>
-</p:sld>
-</file>
-
-<file path=ppt/slides/slide11.xml><?xml version="1.0" encoding="utf-8"?>
-<p:sld xmlns:a="http://schemas.openxmlformats.org/drawingml/2006/main" xmlns:r="http://schemas.openxmlformats.org/officeDocument/2006/relationships" xmlns:p="http://schemas.openxmlformats.org/presentationml/2006/main">
-  <p:cSld>
-    <p:spTree>
-      <p:nvGrpSpPr>
-        <p:cNvPr id="1" name=""/>
-        <p:cNvGrpSpPr/>
-        <p:nvPr/>
-      </p:nvGrpSpPr>
-      <p:grpSpPr/>
-      <p:sp>
-        <p:nvSpPr>
-          <p:cNvPr id="2" name="标题 1"/>
-          <p:cNvSpPr>
-            <a:spLocks noGrp="1"/>
-          </p:cNvSpPr>
-          <p:nvPr>
-            <p:ph type="title"/>
-          </p:nvPr>
-        </p:nvSpPr>
-        <p:spPr/>
-        <p:txBody>
-          <a:bodyPr/>
-          <a:p>
-            <a:r>
-              <a:rPr lang="en-US" altLang="zh-CN"/>
-              <a:t>扩展</a:t>
-            </a:r>
-            <a:r>
-              <a:rPr lang="zh-CN" altLang="en-US"/>
-              <a:t>资料</a:t>
-            </a:r>
-            <a:endParaRPr lang="zh-CN" altLang="en-US"/>
-          </a:p>
-        </p:txBody>
-      </p:sp>
-      <p:sp>
-        <p:nvSpPr>
-          <p:cNvPr id="3" name="内容占位符 2"/>
-          <p:cNvSpPr>
-            <a:spLocks noGrp="1"/>
-          </p:cNvSpPr>
-          <p:nvPr>
-            <p:ph idx="1"/>
-          </p:nvPr>
-        </p:nvSpPr>
-        <p:spPr/>
-        <p:txBody>
-          <a:bodyPr/>
-          <a:p>
-            <a:pPr lvl="0"/>
-            <a:r>
-              <a:rPr lang="zh-CN" altLang="en-US"/>
-              <a:t>无</a:t>
-            </a:r>
-            <a:endParaRPr lang="zh-CN" altLang="en-US"/>
-          </a:p>
-        </p:txBody>
-      </p:sp>
-    </p:spTree>
-  </p:cSld>
-  <p:clrMapOvr>
-    <a:masterClrMapping/>
-  </p:clrMapOvr>
-</p:sld>
-</file>
-
-<file path=ppt/slides/slide12.xml><?xml version="1.0" encoding="utf-8"?>
-<p:sld xmlns:a="http://schemas.openxmlformats.org/drawingml/2006/main" xmlns:r="http://schemas.openxmlformats.org/officeDocument/2006/relationships" xmlns:p="http://schemas.openxmlformats.org/presentationml/2006/main">
-  <p:cSld>
-    <p:spTree>
-      <p:nvGrpSpPr>
-        <p:cNvPr id="1" name=""/>
-        <p:cNvGrpSpPr/>
-        <p:nvPr/>
-      </p:nvGrpSpPr>
-      <p:grpSpPr>
-        <a:xfrm>
-          <a:off x="0" y="0"/>
-          <a:ext cx="0" cy="0"/>
-          <a:chOff x="0" y="0"/>
-          <a:chExt cx="0" cy="0"/>
-        </a:xfrm>
-      </p:grpSpPr>
-      <p:sp>
-        <p:nvSpPr>
-          <p:cNvPr id="2" name="标题 1"/>
-          <p:cNvSpPr>
-            <a:spLocks noGrp="1"/>
-          </p:cNvSpPr>
-          <p:nvPr>
-            <p:ph type="title"/>
-          </p:nvPr>
-        </p:nvSpPr>
-        <p:spPr/>
-        <p:txBody>
-          <a:bodyPr/>
-          <a:lstStyle/>
-          <a:p>
-            <a:r>
-              <a:t>谢谢</a:t>
-            </a:r>
-          </a:p>
-        </p:txBody>
-      </p:sp>
-    </p:spTree>
-    <p:custDataLst>
-      <p:tags r:id="rId1"/>
-    </p:custDataLst>
-  </p:cSld>
-  <p:clrMapOvr>
-    <a:masterClrMapping/>
-  </p:clrMapOvr>
-</p:sld>
-</file>
-
 <file path=ppt/slides/slide2.xml><?xml version="1.0" encoding="utf-8"?>
 <p:sld xmlns:a="http://schemas.openxmlformats.org/drawingml/2006/main" xmlns:r="http://schemas.openxmlformats.org/officeDocument/2006/relationships" xmlns:p="http://schemas.openxmlformats.org/presentationml/2006/main">
   <p:cSld>
@@ -3111,8 +2889,21 @@
         </p:nvSpPr>
         <p:spPr/>
         <p:txBody>
-          <a:bodyPr/>
-          <a:p>
+          <a:bodyPr>
+            <a:normAutofit/>
+          </a:bodyPr>
+          <a:p>
+            <a:r>
+              <a:rPr lang="zh-CN" altLang="en-US">
+                <a:sym typeface="+mn-ea"/>
+              </a:rPr>
+              <a:t>《奇迹课程（正文）》</a:t>
+            </a:r>
+            <a:br>
+              <a:rPr lang="zh-CN" altLang="en-US">
+                <a:sym typeface="+mn-ea"/>
+              </a:rPr>
+            </a:br>
             <a:endParaRPr lang="zh-CN" altLang="en-US"/>
           </a:p>
         </p:txBody>
@@ -3319,49 +3110,40 @@
           <a:bodyPr/>
           <a:p>
             <a:r>
-              <a:rPr>
+              <a:rPr lang="zh-CN" altLang="en-US">
                 <a:sym typeface="+mn-ea"/>
               </a:rPr>
-              <a:t>为什么要学习</a:t>
-            </a:r>
-            <a:r>
-              <a:rPr lang="zh-CN">
+              <a:t>重点</a:t>
+            </a:r>
+            <a:r>
+              <a:rPr lang="zh-CN" altLang="en-US">
                 <a:sym typeface="+mn-ea"/>
               </a:rPr>
-              <a:t>本课</a:t>
-            </a:r>
-            <a:r>
-              <a:rPr>
-                <a:sym typeface="+mn-ea"/>
-              </a:rPr>
-              <a:t>？</a:t>
-            </a:r>
-            <a:endParaRPr lang="zh-CN">
-              <a:sym typeface="+mn-ea"/>
-            </a:endParaRPr>
-          </a:p>
-        </p:txBody>
-      </p:sp>
-      <p:sp>
-        <p:nvSpPr>
-          <p:cNvPr id="3" name="内容占位符 2"/>
-          <p:cNvSpPr>
-            <a:spLocks noGrp="1"/>
-          </p:cNvSpPr>
-          <p:nvPr>
-            <p:ph idx="1"/>
-          </p:nvPr>
-        </p:nvSpPr>
-        <p:spPr/>
-        <p:txBody>
-          <a:bodyPr>
-            <a:normAutofit/>
-          </a:bodyPr>
-          <a:p>
-            <a:pPr lvl="0"/>
+              <a:t>记录</a:t>
+            </a:r>
             <a:endParaRPr lang="zh-CN" altLang="en-US">
               <a:sym typeface="+mn-ea"/>
             </a:endParaRPr>
+          </a:p>
+        </p:txBody>
+      </p:sp>
+      <p:sp>
+        <p:nvSpPr>
+          <p:cNvPr id="3" name="内容占位符 2"/>
+          <p:cNvSpPr>
+            <a:spLocks noGrp="1"/>
+          </p:cNvSpPr>
+          <p:nvPr>
+            <p:ph idx="1"/>
+          </p:nvPr>
+        </p:nvSpPr>
+        <p:spPr/>
+        <p:txBody>
+          <a:bodyPr>
+            <a:normAutofit lnSpcReduction="20000"/>
+          </a:bodyPr>
+          <a:p>
+            <a:endParaRPr lang="zh-CN" altLang="en-US"/>
           </a:p>
         </p:txBody>
       </p:sp>
@@ -3373,84 +3155,7 @@
   <p:timing>
     <p:tnLst>
       <p:par>
-        <p:cTn id="1" dur="indefinite" restart="never" nodeType="tmRoot">
-          <p:childTnLst>
-            <p:seq concurrent="1" nextAc="seek">
-              <p:cTn id="2" dur="indefinite" nodeType="mainSeq">
-                <p:childTnLst>
-                  <p:par>
-                    <p:cTn id="3" fill="hold">
-                      <p:stCondLst>
-                        <p:cond delay="indefinite"/>
-                      </p:stCondLst>
-                      <p:childTnLst>
-                        <p:par>
-                          <p:cTn id="4" fill="hold">
-                            <p:stCondLst>
-                              <p:cond delay="0"/>
-                            </p:stCondLst>
-                            <p:childTnLst>
-                              <p:par>
-                                <p:cTn id="5" presetID="1" presetClass="entr" presetSubtype="0" fill="hold" nodeType="clickEffect" nodePh="1">
-                                  <p:stCondLst>
-                                    <p:cond delay="0"/>
-                                  </p:stCondLst>
-                                  <p:endCondLst>
-                                    <p:cond evt="begin" delay="0">
-                                      <p:tn val="5"/>
-                                    </p:cond>
-                                  </p:endCondLst>
-                                  <p:childTnLst>
-                                    <p:set>
-                                      <p:cBhvr>
-                                        <p:cTn id="6" dur="1" fill="hold">
-                                          <p:stCondLst>
-                                            <p:cond delay="0"/>
-                                          </p:stCondLst>
-                                        </p:cTn>
-                                        <p:tgtEl>
-                                          <p:spTgt spid="3">
-                                            <p:txEl>
-                                              <p:pRg st="0" end="0"/>
-                                            </p:txEl>
-                                          </p:spTgt>
-                                        </p:tgtEl>
-                                        <p:attrNameLst>
-                                          <p:attrName>style.visibility</p:attrName>
-                                        </p:attrNameLst>
-                                      </p:cBhvr>
-                                      <p:to>
-                                        <p:strVal val="visible"/>
-                                      </p:to>
-                                    </p:set>
-                                  </p:childTnLst>
-                                </p:cTn>
-                              </p:par>
-                            </p:childTnLst>
-                          </p:cTn>
-                        </p:par>
-                      </p:childTnLst>
-                    </p:cTn>
-                  </p:par>
-                </p:childTnLst>
-              </p:cTn>
-              <p:prevCondLst>
-                <p:cond evt="onPrev" delay="0">
-                  <p:tgtEl>
-                    <p:sldTgt/>
-                  </p:tgtEl>
-                </p:cond>
-              </p:prevCondLst>
-              <p:nextCondLst>
-                <p:cond evt="onNext" delay="0">
-                  <p:tgtEl>
-                    <p:sldTgt/>
-                  </p:tgtEl>
-                </p:cond>
-              </p:nextCondLst>
-            </p:seq>
-          </p:childTnLst>
-        </p:cTn>
+        <p:cTn id="1" dur="indefinite" restart="never" nodeType="tmRoot"/>
       </p:par>
     </p:tnLst>
   </p:timing>
@@ -3481,491 +3186,28 @@
             <a:spLocks noGrp="1"/>
           </p:cNvSpPr>
           <p:nvPr>
-            <p:ph type="ctrTitle"/>
-          </p:nvPr>
-        </p:nvSpPr>
-        <p:spPr>
-          <a:xfrm>
-            <a:off x="1524000" y="2867025"/>
-            <a:ext cx="9144000" cy="1123950"/>
-          </a:xfrm>
-        </p:spPr>
-        <p:txBody>
-          <a:bodyPr>
-            <a:normAutofit/>
-          </a:bodyPr>
-          <a:lstStyle/>
-          <a:p>
-            <a:r>
-              <a:rPr>
-                <a:sym typeface="+mn-ea"/>
-              </a:rPr>
-              <a:t>主问题：</a:t>
-            </a:r>
-            <a:endParaRPr lang="en-US" altLang="zh-CN">
-              <a:sym typeface="+mn-ea"/>
-            </a:endParaRPr>
+            <p:ph type="title"/>
+          </p:nvPr>
+        </p:nvSpPr>
+        <p:spPr/>
+        <p:txBody>
+          <a:bodyPr/>
+          <a:lstStyle/>
+          <a:p>
+            <a:r>
+              <a:t>谢谢</a:t>
+            </a:r>
           </a:p>
         </p:txBody>
       </p:sp>
     </p:spTree>
+    <p:custDataLst>
+      <p:tags r:id="rId1"/>
+    </p:custDataLst>
   </p:cSld>
   <p:clrMapOvr>
     <a:masterClrMapping/>
   </p:clrMapOvr>
-</p:sld>
-</file>
-
-<file path=ppt/slides/slide6.xml><?xml version="1.0" encoding="utf-8"?>
-<p:sld xmlns:a="http://schemas.openxmlformats.org/drawingml/2006/main" xmlns:r="http://schemas.openxmlformats.org/officeDocument/2006/relationships" xmlns:p="http://schemas.openxmlformats.org/presentationml/2006/main">
-  <p:cSld>
-    <p:spTree>
-      <p:nvGrpSpPr>
-        <p:cNvPr id="1" name=""/>
-        <p:cNvGrpSpPr/>
-        <p:nvPr/>
-      </p:nvGrpSpPr>
-      <p:grpSpPr/>
-      <p:sp>
-        <p:nvSpPr>
-          <p:cNvPr id="2" name="标题 1"/>
-          <p:cNvSpPr>
-            <a:spLocks noGrp="1"/>
-          </p:cNvSpPr>
-          <p:nvPr>
-            <p:ph type="title"/>
-          </p:nvPr>
-        </p:nvSpPr>
-        <p:spPr/>
-        <p:txBody>
-          <a:bodyPr/>
-          <a:p>
-            <a:r>
-              <a:rPr>
-                <a:sym typeface="+mn-ea"/>
-              </a:rPr>
-              <a:t>主问题：</a:t>
-            </a:r>
-            <a:endParaRPr lang="zh-CN">
-              <a:sym typeface="+mn-ea"/>
-            </a:endParaRPr>
-          </a:p>
-        </p:txBody>
-      </p:sp>
-      <p:sp>
-        <p:nvSpPr>
-          <p:cNvPr id="3" name="内容占位符 2"/>
-          <p:cNvSpPr>
-            <a:spLocks noGrp="1"/>
-          </p:cNvSpPr>
-          <p:nvPr>
-            <p:ph idx="1"/>
-          </p:nvPr>
-        </p:nvSpPr>
-        <p:spPr/>
-        <p:txBody>
-          <a:bodyPr>
-            <a:normAutofit lnSpcReduction="20000"/>
-          </a:bodyPr>
-          <a:p>
-            <a:pPr lvl="0"/>
-            <a:endParaRPr lang="zh-CN" altLang="en-US"/>
-          </a:p>
-          <a:p>
-            <a:r>
-              <a:rPr lang="zh-CN" altLang="en-US">
-                <a:sym typeface="+mn-ea"/>
-              </a:rPr>
-              <a:t>自学、互学、展学</a:t>
-            </a:r>
-            <a:endParaRPr lang="zh-CN" altLang="en-US"/>
-          </a:p>
-          <a:p>
-            <a:endParaRPr lang="zh-CN" altLang="en-US"/>
-          </a:p>
-        </p:txBody>
-      </p:sp>
-    </p:spTree>
-  </p:cSld>
-  <p:clrMapOvr>
-    <a:masterClrMapping/>
-  </p:clrMapOvr>
-  <p:timing>
-    <p:tnLst>
-      <p:par>
-        <p:cTn id="1" dur="indefinite" restart="never" nodeType="tmRoot"/>
-      </p:par>
-    </p:tnLst>
-  </p:timing>
-</p:sld>
-</file>
-
-<file path=ppt/slides/slide7.xml><?xml version="1.0" encoding="utf-8"?>
-<p:sld xmlns:a="http://schemas.openxmlformats.org/drawingml/2006/main" xmlns:r="http://schemas.openxmlformats.org/officeDocument/2006/relationships" xmlns:p="http://schemas.openxmlformats.org/presentationml/2006/main">
-  <p:cSld>
-    <p:spTree>
-      <p:nvGrpSpPr>
-        <p:cNvPr id="1" name=""/>
-        <p:cNvGrpSpPr/>
-        <p:nvPr/>
-      </p:nvGrpSpPr>
-      <p:grpSpPr/>
-      <p:sp>
-        <p:nvSpPr>
-          <p:cNvPr id="2" name="标题 1"/>
-          <p:cNvSpPr>
-            <a:spLocks noGrp="1"/>
-          </p:cNvSpPr>
-          <p:nvPr>
-            <p:ph type="title"/>
-          </p:nvPr>
-        </p:nvSpPr>
-        <p:spPr/>
-        <p:txBody>
-          <a:bodyPr/>
-          <a:p>
-            <a:r>
-              <a:rPr lang="zh-CN">
-                <a:sym typeface="+mn-ea"/>
-              </a:rPr>
-              <a:t>结学</a:t>
-            </a:r>
-            <a:endParaRPr lang="zh-CN">
-              <a:sym typeface="+mn-ea"/>
-            </a:endParaRPr>
-          </a:p>
-        </p:txBody>
-      </p:sp>
-      <p:sp>
-        <p:nvSpPr>
-          <p:cNvPr id="3" name="内容占位符 2"/>
-          <p:cNvSpPr>
-            <a:spLocks noGrp="1"/>
-          </p:cNvSpPr>
-          <p:nvPr>
-            <p:ph idx="1"/>
-          </p:nvPr>
-        </p:nvSpPr>
-        <p:spPr/>
-        <p:txBody>
-          <a:bodyPr>
-            <a:normAutofit/>
-          </a:bodyPr>
-          <a:p>
-            <a:endParaRPr lang="zh-CN" altLang="en-US"/>
-          </a:p>
-          <a:p>
-            <a:r>
-              <a:rPr lang="zh-CN" altLang="en-US">
-                <a:sym typeface="+mn-ea"/>
-              </a:rPr>
-              <a:t>自学、展学</a:t>
-            </a:r>
-            <a:endParaRPr lang="zh-CN" altLang="en-US"/>
-          </a:p>
-          <a:p>
-            <a:endParaRPr lang="zh-CN" altLang="en-US"/>
-          </a:p>
-        </p:txBody>
-      </p:sp>
-    </p:spTree>
-  </p:cSld>
-  <p:clrMapOvr>
-    <a:masterClrMapping/>
-  </p:clrMapOvr>
-  <p:timing>
-    <p:tnLst>
-      <p:par>
-        <p:cTn id="1" dur="indefinite" restart="never" nodeType="tmRoot"/>
-      </p:par>
-    </p:tnLst>
-  </p:timing>
-</p:sld>
-</file>
-
-<file path=ppt/slides/slide8.xml><?xml version="1.0" encoding="utf-8"?>
-<p:sld xmlns:a="http://schemas.openxmlformats.org/drawingml/2006/main" xmlns:r="http://schemas.openxmlformats.org/officeDocument/2006/relationships" xmlns:p="http://schemas.openxmlformats.org/presentationml/2006/main">
-  <p:cSld>
-    <p:spTree>
-      <p:nvGrpSpPr>
-        <p:cNvPr id="1" name=""/>
-        <p:cNvGrpSpPr/>
-        <p:nvPr/>
-      </p:nvGrpSpPr>
-      <p:grpSpPr>
-        <a:xfrm>
-          <a:off x="0" y="0"/>
-          <a:ext cx="0" cy="0"/>
-          <a:chOff x="0" y="0"/>
-          <a:chExt cx="0" cy="0"/>
-        </a:xfrm>
-      </p:grpSpPr>
-      <p:sp>
-        <p:nvSpPr>
-          <p:cNvPr id="2" name="标题 1"/>
-          <p:cNvSpPr>
-            <a:spLocks noGrp="1"/>
-          </p:cNvSpPr>
-          <p:nvPr>
-            <p:ph type="ctrTitle"/>
-          </p:nvPr>
-        </p:nvSpPr>
-        <p:spPr/>
-        <p:txBody>
-          <a:bodyPr>
-            <a:normAutofit/>
-          </a:bodyPr>
-          <a:lstStyle/>
-          <a:p>
-            <a:r>
-              <a:rPr lang="zh-CN" altLang="en-US">
-                <a:sym typeface="+mn-ea"/>
-              </a:rPr>
-              <a:t>总结</a:t>
-            </a:r>
-            <a:endParaRPr lang="zh-CN" altLang="en-US"/>
-          </a:p>
-        </p:txBody>
-      </p:sp>
-      <p:sp>
-        <p:nvSpPr>
-          <p:cNvPr id="3" name="副标题 2"/>
-          <p:cNvSpPr>
-            <a:spLocks noGrp="1"/>
-          </p:cNvSpPr>
-          <p:nvPr>
-            <p:ph type="subTitle" idx="1"/>
-          </p:nvPr>
-        </p:nvSpPr>
-        <p:spPr/>
-        <p:txBody>
-          <a:bodyPr/>
-          <a:lstStyle/>
-          <a:p>
-            <a:endParaRPr lang="zh-CN" altLang="en-US"/>
-          </a:p>
-        </p:txBody>
-      </p:sp>
-    </p:spTree>
-  </p:cSld>
-  <p:clrMapOvr>
-    <a:masterClrMapping/>
-  </p:clrMapOvr>
-</p:sld>
-</file>
-
-<file path=ppt/slides/slide9.xml><?xml version="1.0" encoding="utf-8"?>
-<p:sld xmlns:a="http://schemas.openxmlformats.org/drawingml/2006/main" xmlns:r="http://schemas.openxmlformats.org/officeDocument/2006/relationships" xmlns:p="http://schemas.openxmlformats.org/presentationml/2006/main">
-  <p:cSld>
-    <p:spTree>
-      <p:nvGrpSpPr>
-        <p:cNvPr id="1" name=""/>
-        <p:cNvGrpSpPr/>
-        <p:nvPr/>
-      </p:nvGrpSpPr>
-      <p:grpSpPr>
-        <a:xfrm>
-          <a:off x="0" y="0"/>
-          <a:ext cx="0" cy="0"/>
-          <a:chOff x="0" y="0"/>
-          <a:chExt cx="0" cy="0"/>
-        </a:xfrm>
-      </p:grpSpPr>
-      <p:sp>
-        <p:nvSpPr>
-          <p:cNvPr id="2" name="标题 1"/>
-          <p:cNvSpPr>
-            <a:spLocks noGrp="1"/>
-          </p:cNvSpPr>
-          <p:nvPr>
-            <p:ph type="title"/>
-          </p:nvPr>
-        </p:nvSpPr>
-        <p:spPr/>
-        <p:txBody>
-          <a:bodyPr/>
-          <a:lstStyle/>
-          <a:p>
-            <a:r>
-              <a:rPr lang="zh-CN">
-                <a:sym typeface="+mn-ea"/>
-              </a:rPr>
-              <a:t>总结</a:t>
-            </a:r>
-            <a:endParaRPr lang="zh-CN">
-              <a:sym typeface="+mn-ea"/>
-            </a:endParaRPr>
-          </a:p>
-        </p:txBody>
-      </p:sp>
-      <p:sp>
-        <p:nvSpPr>
-          <p:cNvPr id="3" name="内容占位符 2"/>
-          <p:cNvSpPr>
-            <a:spLocks noGrp="1"/>
-          </p:cNvSpPr>
-          <p:nvPr>
-            <p:ph idx="1"/>
-          </p:nvPr>
-        </p:nvSpPr>
-        <p:spPr/>
-        <p:txBody>
-          <a:bodyPr/>
-          <a:lstStyle/>
-          <a:p>
-            <a:r>
-              <a:rPr lang="zh-CN" altLang="en-US">
-                <a:sym typeface="+mn-ea"/>
-              </a:rPr>
-              <a:t>回答开始的问题？</a:t>
-            </a:r>
-            <a:endParaRPr lang="zh-CN" altLang="en-US"/>
-          </a:p>
-          <a:p>
-            <a:endParaRPr lang="zh-CN" altLang="en-US"/>
-          </a:p>
-          <a:p>
-            <a:r>
-              <a:rPr>
-                <a:sym typeface="+mn-ea"/>
-              </a:rPr>
-              <a:t>自学</a:t>
-            </a:r>
-            <a:r>
-              <a:rPr lang="zh-CN">
-                <a:sym typeface="+mn-ea"/>
-              </a:rPr>
-              <a:t>、</a:t>
-            </a:r>
-            <a:r>
-              <a:rPr>
-                <a:sym typeface="+mn-ea"/>
-              </a:rPr>
-              <a:t>展学</a:t>
-            </a:r>
-            <a:endParaRPr lang="zh-CN" altLang="en-US"/>
-          </a:p>
-          <a:p>
-            <a:endParaRPr lang="zh-CN" altLang="en-US"/>
-          </a:p>
-        </p:txBody>
-      </p:sp>
-      <mc:AlternateContent xmlns:mc="http://schemas.openxmlformats.org/markup-compatibility/2006" xmlns:p14="http://schemas.microsoft.com/office/powerpoint/2010/main">
-        <mc:Choice Requires="p14">
-          <p:contentPart r:id="rId1" p14:bwMode="auto">
-            <p14:nvContentPartPr>
-              <p14:cNvPr id="4" name="墨迹 3"/>
-              <p14:cNvContentPartPr/>
-              <p14:nvPr/>
-            </p14:nvContentPartPr>
-            <p14:xfrm>
-              <a:off x="4599360" y="3458880"/>
-              <a:ext cx="360" cy="360"/>
-            </p14:xfrm>
-          </p:contentPart>
-        </mc:Choice>
-        <mc:Fallback xmlns="">
-          <p:pic>
-            <p:nvPicPr>
-              <p:cNvPr id="4" name="墨迹 3"/>
-            </p:nvPicPr>
-            <p:blipFill>
-              <a:blip r:embed="rId2"/>
-            </p:blipFill>
-            <p:spPr>
-              <a:xfrm>
-                <a:off x="4599360" y="3458880"/>
-                <a:ext cx="360" cy="360"/>
-              </a:xfrm>
-              <a:prstGeom prst="rect"/>
-            </p:spPr>
-          </p:pic>
-        </mc:Fallback>
-      </mc:AlternateContent>
-    </p:spTree>
-  </p:cSld>
-  <p:clrMapOvr>
-    <a:masterClrMapping/>
-  </p:clrMapOvr>
-  <p:timing>
-    <p:tnLst>
-      <p:par>
-        <p:cTn id="1" dur="indefinite" restart="never" nodeType="tmRoot">
-          <p:childTnLst>
-            <p:seq concurrent="1" nextAc="seek">
-              <p:cTn id="2" dur="indefinite" nodeType="mainSeq">
-                <p:childTnLst>
-                  <p:par>
-                    <p:cTn id="3" fill="hold">
-                      <p:stCondLst>
-                        <p:cond delay="indefinite"/>
-                      </p:stCondLst>
-                      <p:childTnLst>
-                        <p:par>
-                          <p:cTn id="4" fill="hold">
-                            <p:stCondLst>
-                              <p:cond delay="0"/>
-                            </p:stCondLst>
-                            <p:childTnLst>
-                              <p:par>
-                                <p:cTn id="5" presetID="1" presetClass="entr" presetSubtype="0" fill="hold" nodeType="clickEffect">
-                                  <p:stCondLst>
-                                    <p:cond delay="0"/>
-                                  </p:stCondLst>
-                                  <p:childTnLst>
-                                    <p:set>
-                                      <p:cBhvr>
-                                        <p:cTn id="6" dur="1" fill="hold">
-                                          <p:stCondLst>
-                                            <p:cond delay="0"/>
-                                          </p:stCondLst>
-                                        </p:cTn>
-                                        <p:tgtEl>
-                                          <p:spTgt spid="3">
-                                            <p:txEl>
-                                              <p:pRg st="0" end="0"/>
-                                            </p:txEl>
-                                          </p:spTgt>
-                                        </p:tgtEl>
-                                        <p:attrNameLst>
-                                          <p:attrName>style.visibility</p:attrName>
-                                        </p:attrNameLst>
-                                      </p:cBhvr>
-                                      <p:to>
-                                        <p:strVal val="visible"/>
-                                      </p:to>
-                                    </p:set>
-                                  </p:childTnLst>
-                                </p:cTn>
-                              </p:par>
-                            </p:childTnLst>
-                          </p:cTn>
-                        </p:par>
-                      </p:childTnLst>
-                    </p:cTn>
-                  </p:par>
-                </p:childTnLst>
-              </p:cTn>
-              <p:prevCondLst>
-                <p:cond evt="onPrev" delay="0">
-                  <p:tgtEl>
-                    <p:sldTgt/>
-                  </p:tgtEl>
-                </p:cond>
-              </p:prevCondLst>
-              <p:nextCondLst>
-                <p:cond evt="onNext" delay="0">
-                  <p:tgtEl>
-                    <p:sldTgt/>
-                  </p:tgtEl>
-                </p:cond>
-              </p:nextCondLst>
-            </p:seq>
-          </p:childTnLst>
-        </p:cTn>
-      </p:par>
-    </p:tnLst>
-  </p:timing>
 </p:sld>
 </file>
 
